--- a/01_FoundationProjects/CFL15_ESP32_Access_Point/CFL15_ESP32_Access_Point.pptx
+++ b/01_FoundationProjects/CFL15_ESP32_Access_Point/CFL15_ESP32_Access_Point.pptx
@@ -7026,12 +7026,17 @@
         <p:spPr bwMode="auto">
           <a:xfrm>
             <a:off x="838200" y="5298256"/>
-            <a:ext cx="5411028" cy="646331"/>
+            <a:ext cx="5411028" cy="1015663"/>
           </a:xfrm>
           <a:prstGeom prst="rect">
             <a:avLst/>
           </a:prstGeom>
           <a:noFill/>
+          <a:ln w="19050">
+            <a:solidFill>
+              <a:schemeClr val="accent1"/>
+            </a:solidFill>
+          </a:ln>
         </p:spPr>
         <p:txBody>
           <a:bodyPr wrap="square">
@@ -7137,24 +7142,39 @@
               <a:defRPr/>
             </a:pPr>
             <a:r>
-              <a:rPr lang="en-GB" b="1" dirty="0"/>
+              <a:rPr lang="en-GB" sz="1200" b="1" dirty="0"/>
               <a:t>Code for Lesson CFL15 (</a:t>
             </a:r>
             <a:r>
-              <a:rPr lang="fr-FR" b="1" dirty="0"/>
+              <a:rPr lang="fr-FR" sz="1200" b="1" dirty="0"/>
               <a:t>CFL15_AgricutureField_AP_Node</a:t>
             </a:r>
             <a:r>
-              <a:rPr lang="en-GB" b="1" dirty="0"/>
+              <a:rPr lang="en-GB" sz="1200" b="1" dirty="0"/>
               <a:t>.</a:t>
             </a:r>
             <a:r>
-              <a:rPr lang="en-GB" b="1" dirty="0" err="1"/>
+              <a:rPr lang="en-GB" sz="1200" b="1" dirty="0" err="1"/>
               <a:t>ino</a:t>
             </a:r>
             <a:r>
-              <a:rPr lang="en-GB" b="1" dirty="0"/>
+              <a:rPr lang="en-GB" sz="1200" b="1" dirty="0"/>
               <a:t>)</a:t>
+            </a:r>
+          </a:p>
+          <a:p>
+            <a:pPr>
+              <a:defRPr/>
+            </a:pPr>
+            <a:endParaRPr lang="en-GB" sz="1200" b="1" dirty="0"/>
+          </a:p>
+          <a:p>
+            <a:pPr>
+              <a:defRPr/>
+            </a:pPr>
+            <a:r>
+              <a:rPr lang="en-GB" sz="1200" b="1" dirty="0"/>
+              <a:t>https://github.com/info-zas/zas-robotics-communications/blob/main/01_FoundationProjects/CFL15_ESP32_Access_Point/CFL15_AgricutureField_AP_Node/CFL15_AgricutureField_AP_Node.ino</a:t>
             </a:r>
           </a:p>
         </p:txBody>
@@ -7702,6 +7722,42 @@
           <a:xfrm>
             <a:off x="6215056" y="1813639"/>
             <a:ext cx="5553692" cy="4419760"/>
+          </a:xfrm>
+          <a:prstGeom prst="rect">
+            <a:avLst/>
+          </a:prstGeom>
+        </p:spPr>
+      </p:pic>
+      <p:pic>
+        <p:nvPicPr>
+          <p:cNvPr id="3" name="Picture 2">
+            <a:extLst>
+              <a:ext uri="{FF2B5EF4-FFF2-40B4-BE49-F238E27FC236}">
+                <a16:creationId xmlns:a16="http://schemas.microsoft.com/office/drawing/2014/main" id="{809900CB-D79E-BDFA-964E-A698FD2392BC}"/>
+              </a:ext>
+            </a:extLst>
+          </p:cNvPr>
+          <p:cNvPicPr>
+            <a:picLocks noChangeAspect="1"/>
+          </p:cNvPicPr>
+          <p:nvPr/>
+        </p:nvPicPr>
+        <p:blipFill>
+          <a:blip r:embed="rId4" cstate="print">
+            <a:extLst>
+              <a:ext uri="{28A0092B-C50C-407E-A947-70E740481C1C}">
+                <a14:useLocalDpi xmlns:a14="http://schemas.microsoft.com/office/drawing/2010/main" val="0"/>
+              </a:ext>
+            </a:extLst>
+          </a:blip>
+          <a:stretch>
+            <a:fillRect/>
+          </a:stretch>
+        </p:blipFill>
+        <p:spPr>
+          <a:xfrm>
+            <a:off x="9004852" y="1"/>
+            <a:ext cx="3125372" cy="842386"/>
           </a:xfrm>
           <a:prstGeom prst="rect">
             <a:avLst/>
